--- a/sem6/HURT/lab7-dane/stepaniuk-hurtownie-propozycja.pptx
+++ b/sem6/HURT/lab7-dane/stepaniuk-hurtownie-propozycja.pptx
@@ -4919,7 +4919,7 @@
             <a:pPr rtl="0"/>
             <a:fld id="{DAB64803-BE99-4D11-92FE-DB0D80E992EC}" type="datetime1">
               <a:rPr lang="pl-PL" smtClean="0"/>
-              <a:t>11.05.2025</a:t>
+              <a:t>12.05.2025</a:t>
             </a:fld>
             <a:endParaRPr lang="pl-PL" dirty="0"/>
           </a:p>
@@ -5100,7 +5100,7 @@
             <a:fld id="{DB090C74-F23A-4A01-B61B-B7FE422EF232}" type="datetime1">
               <a:rPr lang="pl-PL" smtClean="0"/>
               <a:pPr/>
-              <a:t>11.05.2025</a:t>
+              <a:t>12.05.2025</a:t>
             </a:fld>
             <a:endParaRPr lang="pl-PL" dirty="0"/>
           </a:p>
@@ -23097,7 +23097,7 @@
             <a:pPr rtl="0"/>
             <a:r>
               <a:rPr lang="pl-PL" dirty="0"/>
-              <a:t>Propozycja tematu projektu hurtowni danych</a:t>
+              <a:t>Propozycja tematu</a:t>
             </a:r>
           </a:p>
         </p:txBody>
@@ -24943,7 +24943,7 @@
                 <a:ea typeface="Calibri" panose="020F0502020204030204" pitchFamily="34" charset="0"/>
                 <a:cs typeface="Calibri" panose="020F0502020204030204" pitchFamily="34" charset="0"/>
               </a:rPr>
-              <a:t>            *oraz dodatkowe miary takie jak: </a:t>
+              <a:t>            *oraz dodatkowe takie jak: </a:t>
             </a:r>
             <a:r>
               <a:rPr lang="pl-PL" dirty="0" err="1">
@@ -27932,6 +27932,15 @@
 </file>
 
 <file path=customXml/item1.xml><?xml version="1.0" encoding="utf-8"?>
+<?mso-contentType ?>
+<FormTemplates xmlns="http://schemas.microsoft.com/sharepoint/v3/contenttype/forms">
+  <Display>DocumentLibraryForm</Display>
+  <Edit>DocumentLibraryForm</Edit>
+  <New>DocumentLibraryForm</New>
+</FormTemplates>
+</file>
+
+<file path=customXml/item2.xml><?xml version="1.0" encoding="utf-8"?>
 <p:properties xmlns:p="http://schemas.microsoft.com/office/2006/metadata/properties" xmlns:xsi="http://www.w3.org/2001/XMLSchema-instance" xmlns:pc="http://schemas.microsoft.com/office/infopath/2007/PartnerControls">
   <documentManagement>
     <TaxCatchAll xmlns="bb13cd20-357b-48a5-aff4-3bb4b52aae3e" xsi:nil="true"/>
@@ -27941,15 +27950,6 @@
     </lcf76f155ced4ddcb4097134ff3c332f>
   </documentManagement>
 </p:properties>
-</file>
-
-<file path=customXml/item2.xml><?xml version="1.0" encoding="utf-8"?>
-<?mso-contentType ?>
-<FormTemplates xmlns="http://schemas.microsoft.com/sharepoint/v3/contenttype/forms">
-  <Display>DocumentLibraryForm</Display>
-  <Edit>DocumentLibraryForm</Edit>
-  <New>DocumentLibraryForm</New>
-</FormTemplates>
 </file>
 
 <file path=customXml/item3.xml><?xml version="1.0" encoding="utf-8"?>
@@ -28190,6 +28190,14 @@
 </file>
 
 <file path=customXml/itemProps1.xml><?xml version="1.0" encoding="utf-8"?>
+<ds:datastoreItem xmlns:ds="http://schemas.openxmlformats.org/officeDocument/2006/customXml" ds:itemID="{83441F37-C10B-49C7-9131-D813AD6E9480}">
+  <ds:schemaRefs>
+    <ds:schemaRef ds:uri="http://schemas.microsoft.com/sharepoint/v3/contenttype/forms"/>
+  </ds:schemaRefs>
+</ds:datastoreItem>
+</file>
+
+<file path=customXml/itemProps2.xml><?xml version="1.0" encoding="utf-8"?>
 <ds:datastoreItem xmlns:ds="http://schemas.openxmlformats.org/officeDocument/2006/customXml" ds:itemID="{3065A588-1D2A-427C-AA32-A236D95C8F89}">
   <ds:schemaRefs>
     <ds:schemaRef ds:uri="http://schemas.microsoft.com/office/2006/documentManagement/types"/>
@@ -28202,14 +28210,6 @@
     <ds:schemaRef ds:uri="http://www.w3.org/XML/1998/namespace"/>
     <ds:schemaRef ds:uri="http://schemas.microsoft.com/office/infopath/2007/PartnerControls"/>
     <ds:schemaRef ds:uri="http://purl.org/dc/terms/"/>
-  </ds:schemaRefs>
-</ds:datastoreItem>
-</file>
-
-<file path=customXml/itemProps2.xml><?xml version="1.0" encoding="utf-8"?>
-<ds:datastoreItem xmlns:ds="http://schemas.openxmlformats.org/officeDocument/2006/customXml" ds:itemID="{83441F37-C10B-49C7-9131-D813AD6E9480}">
-  <ds:schemaRefs>
-    <ds:schemaRef ds:uri="http://schemas.microsoft.com/sharepoint/v3/contenttype/forms"/>
   </ds:schemaRefs>
 </ds:datastoreItem>
 </file>
